--- a/FiguresCombined.pptx
+++ b/FiguresCombined.pptx
@@ -205,7 +205,7 @@
           <a:p>
             <a:fld id="{E480B2E8-FF63-F947-9198-F22E2E89E13F}" type="datetimeFigureOut">
               <a:rPr lang="en-US" smtClean="0"/>
-              <a:t>8/2/2022</a:t>
+              <a:t>8/4/2022</a:t>
             </a:fld>
             <a:endParaRPr lang="en-US"/>
           </a:p>
@@ -955,7 +955,7 @@
           <a:p>
             <a:fld id="{AEF7624F-E6AE-A849-AFA2-D42753B22867}" type="datetimeFigureOut">
               <a:rPr lang="en-US" smtClean="0"/>
-              <a:t>8/2/2022</a:t>
+              <a:t>8/4/2022</a:t>
             </a:fld>
             <a:endParaRPr lang="en-US"/>
           </a:p>
@@ -1153,7 +1153,7 @@
           <a:p>
             <a:fld id="{AEF7624F-E6AE-A849-AFA2-D42753B22867}" type="datetimeFigureOut">
               <a:rPr lang="en-US" smtClean="0"/>
-              <a:t>8/2/2022</a:t>
+              <a:t>8/4/2022</a:t>
             </a:fld>
             <a:endParaRPr lang="en-US"/>
           </a:p>
@@ -1361,7 +1361,7 @@
           <a:p>
             <a:fld id="{AEF7624F-E6AE-A849-AFA2-D42753B22867}" type="datetimeFigureOut">
               <a:rPr lang="en-US" smtClean="0"/>
-              <a:t>8/2/2022</a:t>
+              <a:t>8/4/2022</a:t>
             </a:fld>
             <a:endParaRPr lang="en-US"/>
           </a:p>
@@ -1559,7 +1559,7 @@
           <a:p>
             <a:fld id="{AEF7624F-E6AE-A849-AFA2-D42753B22867}" type="datetimeFigureOut">
               <a:rPr lang="en-US" smtClean="0"/>
-              <a:t>8/2/2022</a:t>
+              <a:t>8/4/2022</a:t>
             </a:fld>
             <a:endParaRPr lang="en-US"/>
           </a:p>
@@ -1834,7 +1834,7 @@
           <a:p>
             <a:fld id="{AEF7624F-E6AE-A849-AFA2-D42753B22867}" type="datetimeFigureOut">
               <a:rPr lang="en-US" smtClean="0"/>
-              <a:t>8/2/2022</a:t>
+              <a:t>8/4/2022</a:t>
             </a:fld>
             <a:endParaRPr lang="en-US"/>
           </a:p>
@@ -2099,7 +2099,7 @@
           <a:p>
             <a:fld id="{AEF7624F-E6AE-A849-AFA2-D42753B22867}" type="datetimeFigureOut">
               <a:rPr lang="en-US" smtClean="0"/>
-              <a:t>8/2/2022</a:t>
+              <a:t>8/4/2022</a:t>
             </a:fld>
             <a:endParaRPr lang="en-US"/>
           </a:p>
@@ -2511,7 +2511,7 @@
           <a:p>
             <a:fld id="{AEF7624F-E6AE-A849-AFA2-D42753B22867}" type="datetimeFigureOut">
               <a:rPr lang="en-US" smtClean="0"/>
-              <a:t>8/2/2022</a:t>
+              <a:t>8/4/2022</a:t>
             </a:fld>
             <a:endParaRPr lang="en-US"/>
           </a:p>
@@ -2652,7 +2652,7 @@
           <a:p>
             <a:fld id="{AEF7624F-E6AE-A849-AFA2-D42753B22867}" type="datetimeFigureOut">
               <a:rPr lang="en-US" smtClean="0"/>
-              <a:t>8/2/2022</a:t>
+              <a:t>8/4/2022</a:t>
             </a:fld>
             <a:endParaRPr lang="en-US"/>
           </a:p>
@@ -2765,7 +2765,7 @@
           <a:p>
             <a:fld id="{AEF7624F-E6AE-A849-AFA2-D42753B22867}" type="datetimeFigureOut">
               <a:rPr lang="en-US" smtClean="0"/>
-              <a:t>8/2/2022</a:t>
+              <a:t>8/4/2022</a:t>
             </a:fld>
             <a:endParaRPr lang="en-US"/>
           </a:p>
@@ -3076,7 +3076,7 @@
           <a:p>
             <a:fld id="{AEF7624F-E6AE-A849-AFA2-D42753B22867}" type="datetimeFigureOut">
               <a:rPr lang="en-US" smtClean="0"/>
-              <a:t>8/2/2022</a:t>
+              <a:t>8/4/2022</a:t>
             </a:fld>
             <a:endParaRPr lang="en-US"/>
           </a:p>
@@ -3364,7 +3364,7 @@
           <a:p>
             <a:fld id="{AEF7624F-E6AE-A849-AFA2-D42753B22867}" type="datetimeFigureOut">
               <a:rPr lang="en-US" smtClean="0"/>
-              <a:t>8/2/2022</a:t>
+              <a:t>8/4/2022</a:t>
             </a:fld>
             <a:endParaRPr lang="en-US"/>
           </a:p>
@@ -3605,7 +3605,7 @@
           <a:p>
             <a:fld id="{AEF7624F-E6AE-A849-AFA2-D42753B22867}" type="datetimeFigureOut">
               <a:rPr lang="en-US" smtClean="0"/>
-              <a:t>8/2/2022</a:t>
+              <a:t>8/4/2022</a:t>
             </a:fld>
             <a:endParaRPr lang="en-US"/>
           </a:p>
@@ -4735,7 +4735,7 @@
                 </a:solidFill>
                 <a:latin typeface="Helvetica" pitchFamily="2" charset="0"/>
               </a:rPr>
-              <a:t>ONLY USIN SCORES</a:t>
+              <a:t>ONLY USING SCORES</a:t>
             </a:r>
           </a:p>
         </p:txBody>
@@ -5647,8 +5647,8 @@
         </p:blipFill>
         <p:spPr>
           <a:xfrm>
-            <a:off x="1996305" y="666174"/>
-            <a:ext cx="3993294" cy="2662195"/>
+            <a:off x="1996306" y="666174"/>
+            <a:ext cx="3993292" cy="2662195"/>
           </a:xfrm>
           <a:prstGeom prst="rect">
             <a:avLst/>
@@ -5677,7 +5677,7 @@
         <p:spPr>
           <a:xfrm>
             <a:off x="6202403" y="666174"/>
-            <a:ext cx="3993292" cy="2662195"/>
+            <a:ext cx="3993292" cy="2662194"/>
           </a:xfrm>
           <a:prstGeom prst="rect">
             <a:avLst/>
@@ -5706,7 +5706,7 @@
         <p:spPr>
           <a:xfrm>
             <a:off x="6202404" y="3963342"/>
-            <a:ext cx="3993291" cy="2662194"/>
+            <a:ext cx="3993291" cy="2662193"/>
           </a:xfrm>
           <a:prstGeom prst="rect">
             <a:avLst/>
@@ -5735,7 +5735,7 @@
         <p:spPr>
           <a:xfrm>
             <a:off x="1996301" y="3963340"/>
-            <a:ext cx="3993295" cy="2662196"/>
+            <a:ext cx="3993294" cy="2662196"/>
           </a:xfrm>
           <a:prstGeom prst="rect">
             <a:avLst/>
@@ -6314,13 +6314,12 @@
         </p:nvPicPr>
         <p:blipFill>
           <a:blip r:embed="rId2"/>
-          <a:stretch>
-            <a:fillRect/>
-          </a:stretch>
+          <a:srcRect l="2271" r="2271"/>
+          <a:stretch/>
         </p:blipFill>
         <p:spPr>
           <a:xfrm>
-            <a:off x="2267155" y="3767671"/>
+            <a:off x="544187" y="3313836"/>
             <a:ext cx="2909530" cy="2919494"/>
           </a:xfrm>
           <a:prstGeom prst="rect">
@@ -6344,14 +6343,13 @@
         </p:nvPicPr>
         <p:blipFill>
           <a:blip r:embed="rId3"/>
-          <a:stretch>
-            <a:fillRect/>
-          </a:stretch>
+          <a:srcRect/>
+          <a:stretch/>
         </p:blipFill>
         <p:spPr>
           <a:xfrm>
-            <a:off x="506029" y="323867"/>
-            <a:ext cx="5668485" cy="3511345"/>
+            <a:off x="981100" y="27910"/>
+            <a:ext cx="5029083" cy="3017450"/>
           </a:xfrm>
           <a:prstGeom prst="rect">
             <a:avLst/>
@@ -6409,7 +6407,7 @@
         </p:nvSpPr>
         <p:spPr>
           <a:xfrm>
-            <a:off x="490919" y="3767671"/>
+            <a:off x="456683" y="3324933"/>
             <a:ext cx="490181" cy="338554"/>
           </a:xfrm>
           <a:prstGeom prst="rect">
@@ -6453,8 +6451,8 @@
         </p:blipFill>
         <p:spPr>
           <a:xfrm>
-            <a:off x="6766823" y="1892709"/>
-            <a:ext cx="3721510" cy="3721510"/>
+            <a:off x="3824367" y="3266317"/>
+            <a:ext cx="3444228" cy="3444228"/>
           </a:xfrm>
           <a:prstGeom prst="rect">
             <a:avLst/>
@@ -6475,7 +6473,7 @@
         </p:nvSpPr>
         <p:spPr>
           <a:xfrm>
-            <a:off x="6462740" y="1679188"/>
+            <a:off x="3334186" y="3308486"/>
             <a:ext cx="490181" cy="338554"/>
           </a:xfrm>
           <a:prstGeom prst="rect">

--- a/FiguresCombined.pptx
+++ b/FiguresCombined.pptx
@@ -5,7 +5,7 @@
     <p:sldMasterId id="2147483648" r:id="rId1"/>
   </p:sldMasterIdLst>
   <p:notesMasterIdLst>
-    <p:notesMasterId r:id="rId11"/>
+    <p:notesMasterId r:id="rId12"/>
   </p:notesMasterIdLst>
   <p:sldIdLst>
     <p:sldId id="257" r:id="rId2"/>
@@ -16,7 +16,8 @@
     <p:sldId id="258" r:id="rId7"/>
     <p:sldId id="256" r:id="rId8"/>
     <p:sldId id="262" r:id="rId9"/>
-    <p:sldId id="263" r:id="rId10"/>
+    <p:sldId id="265" r:id="rId10"/>
+    <p:sldId id="263" r:id="rId11"/>
   </p:sldIdLst>
   <p:sldSz cx="12192000" cy="6858000"/>
   <p:notesSz cx="6858000" cy="9144000"/>
@@ -799,6 +800,90 @@
     <p:extLst>
       <p:ext uri="{BB962C8B-B14F-4D97-AF65-F5344CB8AC3E}">
         <p14:creationId xmlns:p14="http://schemas.microsoft.com/office/powerpoint/2010/main" val="2071981987"/>
+      </p:ext>
+    </p:extLst>
+  </p:cSld>
+  <p:clrMapOvr>
+    <a:masterClrMapping/>
+  </p:clrMapOvr>
+</p:notes>
+</file>
+
+<file path=ppt/notesSlides/notesSlide5.xml><?xml version="1.0" encoding="utf-8"?>
+<p:notes xmlns:a="http://schemas.openxmlformats.org/drawingml/2006/main" xmlns:r="http://schemas.openxmlformats.org/officeDocument/2006/relationships" xmlns:p="http://schemas.openxmlformats.org/presentationml/2006/main">
+  <p:cSld>
+    <p:spTree>
+      <p:nvGrpSpPr>
+        <p:cNvPr id="1" name=""/>
+        <p:cNvGrpSpPr/>
+        <p:nvPr/>
+      </p:nvGrpSpPr>
+      <p:grpSpPr>
+        <a:xfrm>
+          <a:off x="0" y="0"/>
+          <a:ext cx="0" cy="0"/>
+          <a:chOff x="0" y="0"/>
+          <a:chExt cx="0" cy="0"/>
+        </a:xfrm>
+      </p:grpSpPr>
+      <p:sp>
+        <p:nvSpPr>
+          <p:cNvPr id="2" name="Slide Image Placeholder 1"/>
+          <p:cNvSpPr>
+            <a:spLocks noGrp="1" noRot="1" noChangeAspect="1"/>
+          </p:cNvSpPr>
+          <p:nvPr>
+            <p:ph type="sldImg"/>
+          </p:nvPr>
+        </p:nvSpPr>
+        <p:spPr/>
+      </p:sp>
+      <p:sp>
+        <p:nvSpPr>
+          <p:cNvPr id="3" name="Notes Placeholder 2"/>
+          <p:cNvSpPr>
+            <a:spLocks noGrp="1"/>
+          </p:cNvSpPr>
+          <p:nvPr>
+            <p:ph type="body" idx="1"/>
+          </p:nvPr>
+        </p:nvSpPr>
+        <p:spPr/>
+        <p:txBody>
+          <a:bodyPr/>
+          <a:lstStyle/>
+          <a:p>
+            <a:endParaRPr lang="en-US" dirty="0"/>
+          </a:p>
+        </p:txBody>
+      </p:sp>
+      <p:sp>
+        <p:nvSpPr>
+          <p:cNvPr id="4" name="Slide Number Placeholder 3"/>
+          <p:cNvSpPr>
+            <a:spLocks noGrp="1"/>
+          </p:cNvSpPr>
+          <p:nvPr>
+            <p:ph type="sldNum" sz="quarter" idx="5"/>
+          </p:nvPr>
+        </p:nvSpPr>
+        <p:spPr/>
+        <p:txBody>
+          <a:bodyPr/>
+          <a:lstStyle/>
+          <a:p>
+            <a:fld id="{38D3B53D-3EE5-8E48-BCB8-49D25C901B21}" type="slidenum">
+              <a:rPr lang="en-US" smtClean="0"/>
+              <a:t>9</a:t>
+            </a:fld>
+            <a:endParaRPr lang="en-US"/>
+          </a:p>
+        </p:txBody>
+      </p:sp>
+    </p:spTree>
+    <p:extLst>
+      <p:ext uri="{BB962C8B-B14F-4D97-AF65-F5344CB8AC3E}">
+        <p14:creationId xmlns:p14="http://schemas.microsoft.com/office/powerpoint/2010/main" val="946535226"/>
       </p:ext>
     </p:extLst>
   </p:cSld>
@@ -4379,6 +4464,36 @@
 </p:sld>
 </file>
 
+<file path=ppt/slides/slide10.xml><?xml version="1.0" encoding="utf-8"?>
+<p:sld xmlns:a="http://schemas.openxmlformats.org/drawingml/2006/main" xmlns:r="http://schemas.openxmlformats.org/officeDocument/2006/relationships" xmlns:p="http://schemas.openxmlformats.org/presentationml/2006/main">
+  <p:cSld>
+    <p:spTree>
+      <p:nvGrpSpPr>
+        <p:cNvPr id="1" name=""/>
+        <p:cNvGrpSpPr/>
+        <p:nvPr/>
+      </p:nvGrpSpPr>
+      <p:grpSpPr>
+        <a:xfrm>
+          <a:off x="0" y="0"/>
+          <a:ext cx="0" cy="0"/>
+          <a:chOff x="0" y="0"/>
+          <a:chExt cx="0" cy="0"/>
+        </a:xfrm>
+      </p:grpSpPr>
+    </p:spTree>
+    <p:extLst>
+      <p:ext uri="{BB962C8B-B14F-4D97-AF65-F5344CB8AC3E}">
+        <p14:creationId xmlns:p14="http://schemas.microsoft.com/office/powerpoint/2010/main" val="1814652726"/>
+      </p:ext>
+    </p:extLst>
+  </p:cSld>
+  <p:clrMapOvr>
+    <a:masterClrMapping/>
+  </p:clrMapOvr>
+</p:sld>
+</file>
+
 <file path=ppt/slides/slide2.xml><?xml version="1.0" encoding="utf-8"?>
 <p:sld xmlns:a="http://schemas.openxmlformats.org/drawingml/2006/main" xmlns:r="http://schemas.openxmlformats.org/officeDocument/2006/relationships" xmlns:p="http://schemas.openxmlformats.org/presentationml/2006/main">
   <p:cSld>
@@ -6677,10 +6792,274 @@
           <a:chExt cx="0" cy="0"/>
         </a:xfrm>
       </p:grpSpPr>
+      <p:pic>
+        <p:nvPicPr>
+          <p:cNvPr id="3" name="Picture 2">
+            <a:extLst>
+              <a:ext uri="{FF2B5EF4-FFF2-40B4-BE49-F238E27FC236}">
+                <a16:creationId xmlns:a16="http://schemas.microsoft.com/office/drawing/2014/main" id="{6DEA8768-7C71-8B8C-39DD-D4C8A6926940}"/>
+              </a:ext>
+            </a:extLst>
+          </p:cNvPr>
+          <p:cNvPicPr>
+            <a:picLocks noChangeAspect="1"/>
+          </p:cNvPicPr>
+          <p:nvPr/>
+        </p:nvPicPr>
+        <p:blipFill>
+          <a:blip r:embed="rId3"/>
+          <a:srcRect/>
+          <a:stretch/>
+        </p:blipFill>
+        <p:spPr>
+          <a:xfrm>
+            <a:off x="2177818" y="666174"/>
+            <a:ext cx="3630266" cy="2662195"/>
+          </a:xfrm>
+          <a:prstGeom prst="rect">
+            <a:avLst/>
+          </a:prstGeom>
+        </p:spPr>
+      </p:pic>
+      <p:pic>
+        <p:nvPicPr>
+          <p:cNvPr id="5" name="Picture 4">
+            <a:extLst>
+              <a:ext uri="{FF2B5EF4-FFF2-40B4-BE49-F238E27FC236}">
+                <a16:creationId xmlns:a16="http://schemas.microsoft.com/office/drawing/2014/main" id="{18667D7C-7C7B-33C5-0DF9-28D025317758}"/>
+              </a:ext>
+            </a:extLst>
+          </p:cNvPr>
+          <p:cNvPicPr>
+            <a:picLocks noChangeAspect="1"/>
+          </p:cNvPicPr>
+          <p:nvPr/>
+        </p:nvPicPr>
+        <p:blipFill>
+          <a:blip r:embed="rId4"/>
+          <a:srcRect/>
+          <a:stretch/>
+        </p:blipFill>
+        <p:spPr>
+          <a:xfrm>
+            <a:off x="6383917" y="666174"/>
+            <a:ext cx="3630264" cy="2662194"/>
+          </a:xfrm>
+          <a:prstGeom prst="rect">
+            <a:avLst/>
+          </a:prstGeom>
+        </p:spPr>
+      </p:pic>
+      <p:pic>
+        <p:nvPicPr>
+          <p:cNvPr id="11" name="Picture 10">
+            <a:extLst>
+              <a:ext uri="{FF2B5EF4-FFF2-40B4-BE49-F238E27FC236}">
+                <a16:creationId xmlns:a16="http://schemas.microsoft.com/office/drawing/2014/main" id="{19E3AB01-2537-B4B4-FBAA-8E77E3B4E6B4}"/>
+              </a:ext>
+            </a:extLst>
+          </p:cNvPr>
+          <p:cNvPicPr>
+            <a:picLocks noChangeAspect="1"/>
+          </p:cNvPicPr>
+          <p:nvPr/>
+        </p:nvPicPr>
+        <p:blipFill>
+          <a:blip r:embed="rId5"/>
+          <a:srcRect/>
+          <a:stretch/>
+        </p:blipFill>
+        <p:spPr>
+          <a:xfrm>
+            <a:off x="6383917" y="3668434"/>
+            <a:ext cx="3630263" cy="2662193"/>
+          </a:xfrm>
+          <a:prstGeom prst="rect">
+            <a:avLst/>
+          </a:prstGeom>
+        </p:spPr>
+      </p:pic>
+      <p:pic>
+        <p:nvPicPr>
+          <p:cNvPr id="13" name="Picture 12">
+            <a:extLst>
+              <a:ext uri="{FF2B5EF4-FFF2-40B4-BE49-F238E27FC236}">
+                <a16:creationId xmlns:a16="http://schemas.microsoft.com/office/drawing/2014/main" id="{FD1A350C-C699-743B-AC83-8B3D2033E33C}"/>
+              </a:ext>
+            </a:extLst>
+          </p:cNvPr>
+          <p:cNvPicPr>
+            <a:picLocks noChangeAspect="1"/>
+          </p:cNvPicPr>
+          <p:nvPr/>
+        </p:nvPicPr>
+        <p:blipFill>
+          <a:blip r:embed="rId6"/>
+          <a:srcRect/>
+          <a:stretch/>
+        </p:blipFill>
+        <p:spPr>
+          <a:xfrm>
+            <a:off x="2177814" y="3668432"/>
+            <a:ext cx="3630267" cy="2662196"/>
+          </a:xfrm>
+          <a:prstGeom prst="rect">
+            <a:avLst/>
+          </a:prstGeom>
+        </p:spPr>
+      </p:pic>
+      <p:sp>
+        <p:nvSpPr>
+          <p:cNvPr id="6" name="TextBox 5">
+            <a:extLst>
+              <a:ext uri="{FF2B5EF4-FFF2-40B4-BE49-F238E27FC236}">
+                <a16:creationId xmlns:a16="http://schemas.microsoft.com/office/drawing/2014/main" id="{E1281666-2177-758D-4E8C-9617416FB131}"/>
+              </a:ext>
+            </a:extLst>
+          </p:cNvPr>
+          <p:cNvSpPr txBox="1"/>
+          <p:nvPr/>
+        </p:nvSpPr>
+        <p:spPr>
+          <a:xfrm>
+            <a:off x="4194021" y="527372"/>
+            <a:ext cx="716445" cy="338554"/>
+          </a:xfrm>
+          <a:prstGeom prst="rect">
+            <a:avLst/>
+          </a:prstGeom>
+          <a:noFill/>
+        </p:spPr>
+        <p:txBody>
+          <a:bodyPr wrap="square" rtlCol="0">
+            <a:spAutoFit/>
+          </a:bodyPr>
+          <a:lstStyle/>
+          <a:p>
+            <a:r>
+              <a:rPr lang="en-US" sz="1600" dirty="0">
+                <a:latin typeface="Helvetica" pitchFamily="2" charset="0"/>
+              </a:rPr>
+              <a:t>MGN</a:t>
+            </a:r>
+          </a:p>
+        </p:txBody>
+      </p:sp>
+      <p:sp>
+        <p:nvSpPr>
+          <p:cNvPr id="7" name="TextBox 6">
+            <a:extLst>
+              <a:ext uri="{FF2B5EF4-FFF2-40B4-BE49-F238E27FC236}">
+                <a16:creationId xmlns:a16="http://schemas.microsoft.com/office/drawing/2014/main" id="{D9D449A3-A154-90D9-658D-F724AE4234B7}"/>
+              </a:ext>
+            </a:extLst>
+          </p:cNvPr>
+          <p:cNvSpPr txBox="1"/>
+          <p:nvPr/>
+        </p:nvSpPr>
+        <p:spPr>
+          <a:xfrm>
+            <a:off x="8400120" y="526554"/>
+            <a:ext cx="716445" cy="338554"/>
+          </a:xfrm>
+          <a:prstGeom prst="rect">
+            <a:avLst/>
+          </a:prstGeom>
+          <a:noFill/>
+        </p:spPr>
+        <p:txBody>
+          <a:bodyPr wrap="square" rtlCol="0">
+            <a:spAutoFit/>
+          </a:bodyPr>
+          <a:lstStyle/>
+          <a:p>
+            <a:r>
+              <a:rPr lang="en-US" sz="1600" dirty="0">
+                <a:latin typeface="Helvetica" pitchFamily="2" charset="0"/>
+              </a:rPr>
+              <a:t>MTS</a:t>
+            </a:r>
+          </a:p>
+        </p:txBody>
+      </p:sp>
+      <p:sp>
+        <p:nvSpPr>
+          <p:cNvPr id="8" name="TextBox 7">
+            <a:extLst>
+              <a:ext uri="{FF2B5EF4-FFF2-40B4-BE49-F238E27FC236}">
+                <a16:creationId xmlns:a16="http://schemas.microsoft.com/office/drawing/2014/main" id="{4AC8DD94-D5DA-3E3A-72C8-7D80345665F6}"/>
+              </a:ext>
+            </a:extLst>
+          </p:cNvPr>
+          <p:cNvSpPr txBox="1"/>
+          <p:nvPr/>
+        </p:nvSpPr>
+        <p:spPr>
+          <a:xfrm>
+            <a:off x="4194020" y="3530426"/>
+            <a:ext cx="716445" cy="338554"/>
+          </a:xfrm>
+          <a:prstGeom prst="rect">
+            <a:avLst/>
+          </a:prstGeom>
+          <a:noFill/>
+        </p:spPr>
+        <p:txBody>
+          <a:bodyPr wrap="square" rtlCol="0">
+            <a:spAutoFit/>
+          </a:bodyPr>
+          <a:lstStyle/>
+          <a:p>
+            <a:r>
+              <a:rPr lang="en-US" sz="1600" dirty="0">
+                <a:latin typeface="Helvetica" pitchFamily="2" charset="0"/>
+              </a:rPr>
+              <a:t>VRM</a:t>
+            </a:r>
+          </a:p>
+        </p:txBody>
+      </p:sp>
+      <p:sp>
+        <p:nvSpPr>
+          <p:cNvPr id="9" name="TextBox 8">
+            <a:extLst>
+              <a:ext uri="{FF2B5EF4-FFF2-40B4-BE49-F238E27FC236}">
+                <a16:creationId xmlns:a16="http://schemas.microsoft.com/office/drawing/2014/main" id="{2EF68D2C-507B-C40E-2251-E5543F000B0B}"/>
+              </a:ext>
+            </a:extLst>
+          </p:cNvPr>
+          <p:cNvSpPr txBox="1"/>
+          <p:nvPr/>
+        </p:nvSpPr>
+        <p:spPr>
+          <a:xfrm>
+            <a:off x="8400120" y="3530426"/>
+            <a:ext cx="716445" cy="338554"/>
+          </a:xfrm>
+          <a:prstGeom prst="rect">
+            <a:avLst/>
+          </a:prstGeom>
+          <a:noFill/>
+        </p:spPr>
+        <p:txBody>
+          <a:bodyPr wrap="square" rtlCol="0">
+            <a:spAutoFit/>
+          </a:bodyPr>
+          <a:lstStyle/>
+          <a:p>
+            <a:r>
+              <a:rPr lang="en-US" sz="1600" dirty="0">
+                <a:latin typeface="Helvetica" pitchFamily="2" charset="0"/>
+              </a:rPr>
+              <a:t>MBL</a:t>
+            </a:r>
+          </a:p>
+        </p:txBody>
+      </p:sp>
     </p:spTree>
     <p:extLst>
       <p:ext uri="{BB962C8B-B14F-4D97-AF65-F5344CB8AC3E}">
-        <p14:creationId xmlns:p14="http://schemas.microsoft.com/office/powerpoint/2010/main" val="1814652726"/>
+        <p14:creationId xmlns:p14="http://schemas.microsoft.com/office/powerpoint/2010/main" val="1451554220"/>
       </p:ext>
     </p:extLst>
   </p:cSld>

--- a/FiguresCombined.pptx
+++ b/FiguresCombined.pptx
@@ -206,7 +206,7 @@
           <a:p>
             <a:fld id="{E480B2E8-FF63-F947-9198-F22E2E89E13F}" type="datetimeFigureOut">
               <a:rPr lang="en-US" smtClean="0"/>
-              <a:t>8/4/2022</a:t>
+              <a:t>8/5/2022</a:t>
             </a:fld>
             <a:endParaRPr lang="en-US"/>
           </a:p>
@@ -1040,7 +1040,7 @@
           <a:p>
             <a:fld id="{AEF7624F-E6AE-A849-AFA2-D42753B22867}" type="datetimeFigureOut">
               <a:rPr lang="en-US" smtClean="0"/>
-              <a:t>8/4/2022</a:t>
+              <a:t>8/5/2022</a:t>
             </a:fld>
             <a:endParaRPr lang="en-US"/>
           </a:p>
@@ -1238,7 +1238,7 @@
           <a:p>
             <a:fld id="{AEF7624F-E6AE-A849-AFA2-D42753B22867}" type="datetimeFigureOut">
               <a:rPr lang="en-US" smtClean="0"/>
-              <a:t>8/4/2022</a:t>
+              <a:t>8/5/2022</a:t>
             </a:fld>
             <a:endParaRPr lang="en-US"/>
           </a:p>
@@ -1446,7 +1446,7 @@
           <a:p>
             <a:fld id="{AEF7624F-E6AE-A849-AFA2-D42753B22867}" type="datetimeFigureOut">
               <a:rPr lang="en-US" smtClean="0"/>
-              <a:t>8/4/2022</a:t>
+              <a:t>8/5/2022</a:t>
             </a:fld>
             <a:endParaRPr lang="en-US"/>
           </a:p>
@@ -1644,7 +1644,7 @@
           <a:p>
             <a:fld id="{AEF7624F-E6AE-A849-AFA2-D42753B22867}" type="datetimeFigureOut">
               <a:rPr lang="en-US" smtClean="0"/>
-              <a:t>8/4/2022</a:t>
+              <a:t>8/5/2022</a:t>
             </a:fld>
             <a:endParaRPr lang="en-US"/>
           </a:p>
@@ -1919,7 +1919,7 @@
           <a:p>
             <a:fld id="{AEF7624F-E6AE-A849-AFA2-D42753B22867}" type="datetimeFigureOut">
               <a:rPr lang="en-US" smtClean="0"/>
-              <a:t>8/4/2022</a:t>
+              <a:t>8/5/2022</a:t>
             </a:fld>
             <a:endParaRPr lang="en-US"/>
           </a:p>
@@ -2184,7 +2184,7 @@
           <a:p>
             <a:fld id="{AEF7624F-E6AE-A849-AFA2-D42753B22867}" type="datetimeFigureOut">
               <a:rPr lang="en-US" smtClean="0"/>
-              <a:t>8/4/2022</a:t>
+              <a:t>8/5/2022</a:t>
             </a:fld>
             <a:endParaRPr lang="en-US"/>
           </a:p>
@@ -2596,7 +2596,7 @@
           <a:p>
             <a:fld id="{AEF7624F-E6AE-A849-AFA2-D42753B22867}" type="datetimeFigureOut">
               <a:rPr lang="en-US" smtClean="0"/>
-              <a:t>8/4/2022</a:t>
+              <a:t>8/5/2022</a:t>
             </a:fld>
             <a:endParaRPr lang="en-US"/>
           </a:p>
@@ -2737,7 +2737,7 @@
           <a:p>
             <a:fld id="{AEF7624F-E6AE-A849-AFA2-D42753B22867}" type="datetimeFigureOut">
               <a:rPr lang="en-US" smtClean="0"/>
-              <a:t>8/4/2022</a:t>
+              <a:t>8/5/2022</a:t>
             </a:fld>
             <a:endParaRPr lang="en-US"/>
           </a:p>
@@ -2850,7 +2850,7 @@
           <a:p>
             <a:fld id="{AEF7624F-E6AE-A849-AFA2-D42753B22867}" type="datetimeFigureOut">
               <a:rPr lang="en-US" smtClean="0"/>
-              <a:t>8/4/2022</a:t>
+              <a:t>8/5/2022</a:t>
             </a:fld>
             <a:endParaRPr lang="en-US"/>
           </a:p>
@@ -3161,7 +3161,7 @@
           <a:p>
             <a:fld id="{AEF7624F-E6AE-A849-AFA2-D42753B22867}" type="datetimeFigureOut">
               <a:rPr lang="en-US" smtClean="0"/>
-              <a:t>8/4/2022</a:t>
+              <a:t>8/5/2022</a:t>
             </a:fld>
             <a:endParaRPr lang="en-US"/>
           </a:p>
@@ -3449,7 +3449,7 @@
           <a:p>
             <a:fld id="{AEF7624F-E6AE-A849-AFA2-D42753B22867}" type="datetimeFigureOut">
               <a:rPr lang="en-US" smtClean="0"/>
-              <a:t>8/4/2022</a:t>
+              <a:t>8/5/2022</a:t>
             </a:fld>
             <a:endParaRPr lang="en-US"/>
           </a:p>
@@ -3690,7 +3690,7 @@
           <a:p>
             <a:fld id="{AEF7624F-E6AE-A849-AFA2-D42753B22867}" type="datetimeFigureOut">
               <a:rPr lang="en-US" smtClean="0"/>
-              <a:t>8/4/2022</a:t>
+              <a:t>8/5/2022</a:t>
             </a:fld>
             <a:endParaRPr lang="en-US"/>
           </a:p>
@@ -6641,51 +6641,6 @@
           <a:chExt cx="0" cy="0"/>
         </a:xfrm>
       </p:grpSpPr>
-      <p:pic>
-        <p:nvPicPr>
-          <p:cNvPr id="1026" name="Picture 2">
-            <a:extLst>
-              <a:ext uri="{FF2B5EF4-FFF2-40B4-BE49-F238E27FC236}">
-                <a16:creationId xmlns:a16="http://schemas.microsoft.com/office/drawing/2014/main" id="{45647005-C2DF-DEE4-4A44-673AACFD107B}"/>
-              </a:ext>
-            </a:extLst>
-          </p:cNvPr>
-          <p:cNvPicPr>
-            <a:picLocks noChangeAspect="1" noChangeArrowheads="1"/>
-          </p:cNvPicPr>
-          <p:nvPr/>
-        </p:nvPicPr>
-        <p:blipFill rotWithShape="1">
-          <a:blip r:embed="rId2">
-            <a:extLst>
-              <a:ext uri="{28A0092B-C50C-407E-A947-70E740481C1C}">
-                <a14:useLocalDpi xmlns:a14="http://schemas.microsoft.com/office/drawing/2010/main" val="0"/>
-              </a:ext>
-            </a:extLst>
-          </a:blip>
-          <a:srcRect l="3735" b="4546"/>
-          <a:stretch/>
-        </p:blipFill>
-        <p:spPr bwMode="auto">
-          <a:xfrm>
-            <a:off x="3657600" y="1543050"/>
-            <a:ext cx="5073650" cy="3600450"/>
-          </a:xfrm>
-          <a:prstGeom prst="rect">
-            <a:avLst/>
-          </a:prstGeom>
-          <a:noFill/>
-          <a:extLst>
-            <a:ext uri="{909E8E84-426E-40DD-AFC4-6F175D3DCCD1}">
-              <a14:hiddenFill xmlns:a14="http://schemas.microsoft.com/office/drawing/2010/main">
-                <a:solidFill>
-                  <a:srgbClr val="FFFFFF"/>
-                </a:solidFill>
-              </a14:hiddenFill>
-            </a:ext>
-          </a:extLst>
-        </p:spPr>
-      </p:pic>
       <p:sp>
         <p:nvSpPr>
           <p:cNvPr id="3" name="TextBox 2">
@@ -6762,6 +6717,36 @@
           </a:p>
         </p:txBody>
       </p:sp>
+      <p:pic>
+        <p:nvPicPr>
+          <p:cNvPr id="5" name="Picture 4">
+            <a:extLst>
+              <a:ext uri="{FF2B5EF4-FFF2-40B4-BE49-F238E27FC236}">
+                <a16:creationId xmlns:a16="http://schemas.microsoft.com/office/drawing/2014/main" id="{023F5BF8-197A-7B31-6495-50DC7D81B43B}"/>
+              </a:ext>
+            </a:extLst>
+          </p:cNvPr>
+          <p:cNvPicPr>
+            <a:picLocks noChangeAspect="1"/>
+          </p:cNvPicPr>
+          <p:nvPr/>
+        </p:nvPicPr>
+        <p:blipFill>
+          <a:blip r:embed="rId2"/>
+          <a:stretch>
+            <a:fillRect/>
+          </a:stretch>
+        </p:blipFill>
+        <p:spPr>
+          <a:xfrm>
+            <a:off x="3014662" y="1233487"/>
+            <a:ext cx="6162675" cy="4391025"/>
+          </a:xfrm>
+          <a:prstGeom prst="rect">
+            <a:avLst/>
+          </a:prstGeom>
+        </p:spPr>
+      </p:pic>
     </p:spTree>
     <p:extLst>
       <p:ext uri="{BB962C8B-B14F-4D97-AF65-F5344CB8AC3E}">

--- a/FiguresCombined.pptx
+++ b/FiguresCombined.pptx
@@ -5,7 +5,7 @@
     <p:sldMasterId id="2147483648" r:id="rId1"/>
   </p:sldMasterIdLst>
   <p:notesMasterIdLst>
-    <p:notesMasterId r:id="rId12"/>
+    <p:notesMasterId r:id="rId16"/>
   </p:notesMasterIdLst>
   <p:sldIdLst>
     <p:sldId id="257" r:id="rId2"/>
@@ -18,6 +18,10 @@
     <p:sldId id="262" r:id="rId9"/>
     <p:sldId id="265" r:id="rId10"/>
     <p:sldId id="263" r:id="rId11"/>
+    <p:sldId id="266" r:id="rId12"/>
+    <p:sldId id="267" r:id="rId13"/>
+    <p:sldId id="268" r:id="rId14"/>
+    <p:sldId id="269" r:id="rId15"/>
   </p:sldIdLst>
   <p:sldSz cx="12192000" cy="6858000"/>
   <p:notesSz cx="6858000" cy="9144000"/>
@@ -206,7 +210,7 @@
           <a:p>
             <a:fld id="{E480B2E8-FF63-F947-9198-F22E2E89E13F}" type="datetimeFigureOut">
               <a:rPr lang="en-US" smtClean="0"/>
-              <a:t>8/5/2022</a:t>
+              <a:t>9/7/22</a:t>
             </a:fld>
             <a:endParaRPr lang="en-US"/>
           </a:p>
@@ -1040,7 +1044,7 @@
           <a:p>
             <a:fld id="{AEF7624F-E6AE-A849-AFA2-D42753B22867}" type="datetimeFigureOut">
               <a:rPr lang="en-US" smtClean="0"/>
-              <a:t>8/5/2022</a:t>
+              <a:t>9/7/22</a:t>
             </a:fld>
             <a:endParaRPr lang="en-US"/>
           </a:p>
@@ -1238,7 +1242,7 @@
           <a:p>
             <a:fld id="{AEF7624F-E6AE-A849-AFA2-D42753B22867}" type="datetimeFigureOut">
               <a:rPr lang="en-US" smtClean="0"/>
-              <a:t>8/5/2022</a:t>
+              <a:t>9/7/22</a:t>
             </a:fld>
             <a:endParaRPr lang="en-US"/>
           </a:p>
@@ -1446,7 +1450,7 @@
           <a:p>
             <a:fld id="{AEF7624F-E6AE-A849-AFA2-D42753B22867}" type="datetimeFigureOut">
               <a:rPr lang="en-US" smtClean="0"/>
-              <a:t>8/5/2022</a:t>
+              <a:t>9/7/22</a:t>
             </a:fld>
             <a:endParaRPr lang="en-US"/>
           </a:p>
@@ -1644,7 +1648,7 @@
           <a:p>
             <a:fld id="{AEF7624F-E6AE-A849-AFA2-D42753B22867}" type="datetimeFigureOut">
               <a:rPr lang="en-US" smtClean="0"/>
-              <a:t>8/5/2022</a:t>
+              <a:t>9/7/22</a:t>
             </a:fld>
             <a:endParaRPr lang="en-US"/>
           </a:p>
@@ -1919,7 +1923,7 @@
           <a:p>
             <a:fld id="{AEF7624F-E6AE-A849-AFA2-D42753B22867}" type="datetimeFigureOut">
               <a:rPr lang="en-US" smtClean="0"/>
-              <a:t>8/5/2022</a:t>
+              <a:t>9/7/22</a:t>
             </a:fld>
             <a:endParaRPr lang="en-US"/>
           </a:p>
@@ -2184,7 +2188,7 @@
           <a:p>
             <a:fld id="{AEF7624F-E6AE-A849-AFA2-D42753B22867}" type="datetimeFigureOut">
               <a:rPr lang="en-US" smtClean="0"/>
-              <a:t>8/5/2022</a:t>
+              <a:t>9/7/22</a:t>
             </a:fld>
             <a:endParaRPr lang="en-US"/>
           </a:p>
@@ -2596,7 +2600,7 @@
           <a:p>
             <a:fld id="{AEF7624F-E6AE-A849-AFA2-D42753B22867}" type="datetimeFigureOut">
               <a:rPr lang="en-US" smtClean="0"/>
-              <a:t>8/5/2022</a:t>
+              <a:t>9/7/22</a:t>
             </a:fld>
             <a:endParaRPr lang="en-US"/>
           </a:p>
@@ -2737,7 +2741,7 @@
           <a:p>
             <a:fld id="{AEF7624F-E6AE-A849-AFA2-D42753B22867}" type="datetimeFigureOut">
               <a:rPr lang="en-US" smtClean="0"/>
-              <a:t>8/5/2022</a:t>
+              <a:t>9/7/22</a:t>
             </a:fld>
             <a:endParaRPr lang="en-US"/>
           </a:p>
@@ -2850,7 +2854,7 @@
           <a:p>
             <a:fld id="{AEF7624F-E6AE-A849-AFA2-D42753B22867}" type="datetimeFigureOut">
               <a:rPr lang="en-US" smtClean="0"/>
-              <a:t>8/5/2022</a:t>
+              <a:t>9/7/22</a:t>
             </a:fld>
             <a:endParaRPr lang="en-US"/>
           </a:p>
@@ -3161,7 +3165,7 @@
           <a:p>
             <a:fld id="{AEF7624F-E6AE-A849-AFA2-D42753B22867}" type="datetimeFigureOut">
               <a:rPr lang="en-US" smtClean="0"/>
-              <a:t>8/5/2022</a:t>
+              <a:t>9/7/22</a:t>
             </a:fld>
             <a:endParaRPr lang="en-US"/>
           </a:p>
@@ -3449,7 +3453,7 @@
           <a:p>
             <a:fld id="{AEF7624F-E6AE-A849-AFA2-D42753B22867}" type="datetimeFigureOut">
               <a:rPr lang="en-US" smtClean="0"/>
-              <a:t>8/5/2022</a:t>
+              <a:t>9/7/22</a:t>
             </a:fld>
             <a:endParaRPr lang="en-US"/>
           </a:p>
@@ -3690,7 +3694,7 @@
           <a:p>
             <a:fld id="{AEF7624F-E6AE-A849-AFA2-D42753B22867}" type="datetimeFigureOut">
               <a:rPr lang="en-US" smtClean="0"/>
-              <a:t>8/5/2022</a:t>
+              <a:t>9/7/22</a:t>
             </a:fld>
             <a:endParaRPr lang="en-US"/>
           </a:p>
@@ -4494,6 +4498,216 @@
 </p:sld>
 </file>
 
+<file path=ppt/slides/slide11.xml><?xml version="1.0" encoding="utf-8"?>
+<p:sld xmlns:a="http://schemas.openxmlformats.org/drawingml/2006/main" xmlns:r="http://schemas.openxmlformats.org/officeDocument/2006/relationships" xmlns:p="http://schemas.openxmlformats.org/presentationml/2006/main">
+  <p:cSld>
+    <p:spTree>
+      <p:nvGrpSpPr>
+        <p:cNvPr id="1" name=""/>
+        <p:cNvGrpSpPr/>
+        <p:nvPr/>
+      </p:nvGrpSpPr>
+      <p:grpSpPr>
+        <a:xfrm>
+          <a:off x="0" y="0"/>
+          <a:ext cx="0" cy="0"/>
+          <a:chOff x="0" y="0"/>
+          <a:chExt cx="0" cy="0"/>
+        </a:xfrm>
+      </p:grpSpPr>
+      <p:pic>
+        <p:nvPicPr>
+          <p:cNvPr id="2" name="Picture 1">
+            <a:extLst>
+              <a:ext uri="{FF2B5EF4-FFF2-40B4-BE49-F238E27FC236}">
+                <a16:creationId xmlns:a16="http://schemas.microsoft.com/office/drawing/2014/main" id="{25A48F3F-6056-8C05-15CB-94736F332D6C}"/>
+              </a:ext>
+            </a:extLst>
+          </p:cNvPr>
+          <p:cNvPicPr>
+            <a:picLocks noChangeAspect="1"/>
+          </p:cNvPicPr>
+          <p:nvPr/>
+        </p:nvPicPr>
+        <p:blipFill>
+          <a:blip r:embed="rId2"/>
+          <a:stretch>
+            <a:fillRect/>
+          </a:stretch>
+        </p:blipFill>
+        <p:spPr>
+          <a:xfrm>
+            <a:off x="2753947" y="0"/>
+            <a:ext cx="6684105" cy="6858000"/>
+          </a:xfrm>
+          <a:prstGeom prst="rect">
+            <a:avLst/>
+          </a:prstGeom>
+        </p:spPr>
+      </p:pic>
+    </p:spTree>
+    <p:extLst>
+      <p:ext uri="{BB962C8B-B14F-4D97-AF65-F5344CB8AC3E}">
+        <p14:creationId xmlns:p14="http://schemas.microsoft.com/office/powerpoint/2010/main" val="253208558"/>
+      </p:ext>
+    </p:extLst>
+  </p:cSld>
+  <p:clrMapOvr>
+    <a:masterClrMapping/>
+  </p:clrMapOvr>
+</p:sld>
+</file>
+
+<file path=ppt/slides/slide12.xml><?xml version="1.0" encoding="utf-8"?>
+<p:sld xmlns:a="http://schemas.openxmlformats.org/drawingml/2006/main" xmlns:r="http://schemas.openxmlformats.org/officeDocument/2006/relationships" xmlns:p="http://schemas.openxmlformats.org/presentationml/2006/main">
+  <p:cSld>
+    <p:spTree>
+      <p:nvGrpSpPr>
+        <p:cNvPr id="1" name=""/>
+        <p:cNvGrpSpPr/>
+        <p:nvPr/>
+      </p:nvGrpSpPr>
+      <p:grpSpPr>
+        <a:xfrm>
+          <a:off x="0" y="0"/>
+          <a:ext cx="0" cy="0"/>
+          <a:chOff x="0" y="0"/>
+          <a:chExt cx="0" cy="0"/>
+        </a:xfrm>
+      </p:grpSpPr>
+      <p:pic>
+        <p:nvPicPr>
+          <p:cNvPr id="4" name="Picture 3">
+            <a:extLst>
+              <a:ext uri="{FF2B5EF4-FFF2-40B4-BE49-F238E27FC236}">
+                <a16:creationId xmlns:a16="http://schemas.microsoft.com/office/drawing/2014/main" id="{81084293-3EF5-9F42-49F7-BA051475404B}"/>
+              </a:ext>
+            </a:extLst>
+          </p:cNvPr>
+          <p:cNvPicPr>
+            <a:picLocks noChangeAspect="1"/>
+          </p:cNvPicPr>
+          <p:nvPr/>
+        </p:nvPicPr>
+        <p:blipFill>
+          <a:blip r:embed="rId2"/>
+          <a:stretch>
+            <a:fillRect/>
+          </a:stretch>
+        </p:blipFill>
+        <p:spPr>
+          <a:xfrm>
+            <a:off x="2667000" y="0"/>
+            <a:ext cx="6858000" cy="6858000"/>
+          </a:xfrm>
+          <a:prstGeom prst="rect">
+            <a:avLst/>
+          </a:prstGeom>
+        </p:spPr>
+      </p:pic>
+    </p:spTree>
+    <p:extLst>
+      <p:ext uri="{BB962C8B-B14F-4D97-AF65-F5344CB8AC3E}">
+        <p14:creationId xmlns:p14="http://schemas.microsoft.com/office/powerpoint/2010/main" val="621866059"/>
+      </p:ext>
+    </p:extLst>
+  </p:cSld>
+  <p:clrMapOvr>
+    <a:masterClrMapping/>
+  </p:clrMapOvr>
+</p:sld>
+</file>
+
+<file path=ppt/slides/slide13.xml><?xml version="1.0" encoding="utf-8"?>
+<p:sld xmlns:a="http://schemas.openxmlformats.org/drawingml/2006/main" xmlns:r="http://schemas.openxmlformats.org/officeDocument/2006/relationships" xmlns:p="http://schemas.openxmlformats.org/presentationml/2006/main">
+  <p:cSld>
+    <p:spTree>
+      <p:nvGrpSpPr>
+        <p:cNvPr id="1" name=""/>
+        <p:cNvGrpSpPr/>
+        <p:nvPr/>
+      </p:nvGrpSpPr>
+      <p:grpSpPr>
+        <a:xfrm>
+          <a:off x="0" y="0"/>
+          <a:ext cx="0" cy="0"/>
+          <a:chOff x="0" y="0"/>
+          <a:chExt cx="0" cy="0"/>
+        </a:xfrm>
+      </p:grpSpPr>
+      <p:pic>
+        <p:nvPicPr>
+          <p:cNvPr id="2" name="Picture 1">
+            <a:extLst>
+              <a:ext uri="{FF2B5EF4-FFF2-40B4-BE49-F238E27FC236}">
+                <a16:creationId xmlns:a16="http://schemas.microsoft.com/office/drawing/2014/main" id="{68983381-27A0-251D-B81C-2C33CD95B65D}"/>
+              </a:ext>
+            </a:extLst>
+          </p:cNvPr>
+          <p:cNvPicPr>
+            <a:picLocks noChangeAspect="1"/>
+          </p:cNvPicPr>
+          <p:nvPr/>
+        </p:nvPicPr>
+        <p:blipFill>
+          <a:blip r:embed="rId2"/>
+          <a:stretch>
+            <a:fillRect/>
+          </a:stretch>
+        </p:blipFill>
+        <p:spPr>
+          <a:xfrm>
+            <a:off x="2411591" y="0"/>
+            <a:ext cx="7368818" cy="6858000"/>
+          </a:xfrm>
+          <a:prstGeom prst="rect">
+            <a:avLst/>
+          </a:prstGeom>
+        </p:spPr>
+      </p:pic>
+    </p:spTree>
+    <p:extLst>
+      <p:ext uri="{BB962C8B-B14F-4D97-AF65-F5344CB8AC3E}">
+        <p14:creationId xmlns:p14="http://schemas.microsoft.com/office/powerpoint/2010/main" val="549500765"/>
+      </p:ext>
+    </p:extLst>
+  </p:cSld>
+  <p:clrMapOvr>
+    <a:masterClrMapping/>
+  </p:clrMapOvr>
+</p:sld>
+</file>
+
+<file path=ppt/slides/slide14.xml><?xml version="1.0" encoding="utf-8"?>
+<p:sld xmlns:a="http://schemas.openxmlformats.org/drawingml/2006/main" xmlns:r="http://schemas.openxmlformats.org/officeDocument/2006/relationships" xmlns:p="http://schemas.openxmlformats.org/presentationml/2006/main">
+  <p:cSld>
+    <p:spTree>
+      <p:nvGrpSpPr>
+        <p:cNvPr id="1" name=""/>
+        <p:cNvGrpSpPr/>
+        <p:nvPr/>
+      </p:nvGrpSpPr>
+      <p:grpSpPr>
+        <a:xfrm>
+          <a:off x="0" y="0"/>
+          <a:ext cx="0" cy="0"/>
+          <a:chOff x="0" y="0"/>
+          <a:chExt cx="0" cy="0"/>
+        </a:xfrm>
+      </p:grpSpPr>
+    </p:spTree>
+    <p:extLst>
+      <p:ext uri="{BB962C8B-B14F-4D97-AF65-F5344CB8AC3E}">
+        <p14:creationId xmlns:p14="http://schemas.microsoft.com/office/powerpoint/2010/main" val="2491825849"/>
+      </p:ext>
+    </p:extLst>
+  </p:cSld>
+  <p:clrMapOvr>
+    <a:masterClrMapping/>
+  </p:clrMapOvr>
+</p:sld>
+</file>
+
 <file path=ppt/slides/slide2.xml><?xml version="1.0" encoding="utf-8"?>
 <p:sld xmlns:a="http://schemas.openxmlformats.org/drawingml/2006/main" xmlns:r="http://schemas.openxmlformats.org/officeDocument/2006/relationships" xmlns:p="http://schemas.openxmlformats.org/presentationml/2006/main">
   <p:cSld>
@@ -4610,7 +4824,7 @@
         </p:blipFill>
         <p:spPr bwMode="auto">
           <a:xfrm>
-            <a:off x="2895600" y="3725529"/>
+            <a:off x="2895599" y="3753039"/>
             <a:ext cx="2927161" cy="2927161"/>
           </a:xfrm>
           <a:prstGeom prst="rect">
@@ -4649,7 +4863,7 @@
         </p:blipFill>
         <p:spPr bwMode="auto">
           <a:xfrm>
-            <a:off x="6030008" y="3742576"/>
+            <a:off x="6096000" y="3753040"/>
             <a:ext cx="2927161" cy="2927161"/>
           </a:xfrm>
           <a:prstGeom prst="rect">
@@ -4792,7 +5006,7 @@
         </p:nvSpPr>
         <p:spPr>
           <a:xfrm>
-            <a:off x="7407936" y="3529630"/>
+            <a:off x="7387769" y="3529630"/>
             <a:ext cx="716445" cy="338554"/>
           </a:xfrm>
           <a:prstGeom prst="rect">
